--- a/Slides/2025/ai-wg/ai-work-group-2025-07-22.pptx
+++ b/Slides/2025/ai-wg/ai-work-group-2025-07-22.pptx
@@ -6083,18 +6083,10 @@
           </a:bodyPr>
           <a:lstStyle/>
           <a:p>
-            <a:pPr marL="0" lvl="0" indent="0" algn="l" rtl="0">
-              <a:spcBef>
-                <a:spcPts val="0"/>
-              </a:spcBef>
-              <a:spcAft>
-                <a:spcPts val="0"/>
-              </a:spcAft>
-              <a:buNone/>
-            </a:pPr>
+            <a:pPr marL="0" lvl="0" indent="0"/>
             <a:r>
               <a:rPr lang="en-US" dirty="0"/>
-              <a:t>2025-07-22</a:t>
+              <a:t>North America / Europe - 2025-07-22</a:t>
             </a:r>
             <a:endParaRPr dirty="0"/>
           </a:p>
